--- a/symposium/5th/img/cover.pptx
+++ b/symposium/5th/img/cover.pptx
@@ -243,7 +243,7 @@
           <a:p>
             <a:fld id="{3C698B4D-7A14-4A28-B39D-D02AF49E47D1}" type="datetimeFigureOut">
               <a:rPr lang="ko-KR" altLang="en-US" smtClean="0"/>
-              <a:t>2022-08-29</a:t>
+              <a:t>2024-02-15</a:t>
             </a:fld>
             <a:endParaRPr lang="ko-KR" altLang="en-US"/>
           </a:p>
@@ -413,7 +413,7 @@
           <a:p>
             <a:fld id="{3C698B4D-7A14-4A28-B39D-D02AF49E47D1}" type="datetimeFigureOut">
               <a:rPr lang="ko-KR" altLang="en-US" smtClean="0"/>
-              <a:t>2022-08-29</a:t>
+              <a:t>2024-02-15</a:t>
             </a:fld>
             <a:endParaRPr lang="ko-KR" altLang="en-US"/>
           </a:p>
@@ -593,7 +593,7 @@
           <a:p>
             <a:fld id="{3C698B4D-7A14-4A28-B39D-D02AF49E47D1}" type="datetimeFigureOut">
               <a:rPr lang="ko-KR" altLang="en-US" smtClean="0"/>
-              <a:t>2022-08-29</a:t>
+              <a:t>2024-02-15</a:t>
             </a:fld>
             <a:endParaRPr lang="ko-KR" altLang="en-US"/>
           </a:p>
@@ -763,7 +763,7 @@
           <a:p>
             <a:fld id="{3C698B4D-7A14-4A28-B39D-D02AF49E47D1}" type="datetimeFigureOut">
               <a:rPr lang="ko-KR" altLang="en-US" smtClean="0"/>
-              <a:t>2022-08-29</a:t>
+              <a:t>2024-02-15</a:t>
             </a:fld>
             <a:endParaRPr lang="ko-KR" altLang="en-US"/>
           </a:p>
@@ -1009,7 +1009,7 @@
           <a:p>
             <a:fld id="{3C698B4D-7A14-4A28-B39D-D02AF49E47D1}" type="datetimeFigureOut">
               <a:rPr lang="ko-KR" altLang="en-US" smtClean="0"/>
-              <a:t>2022-08-29</a:t>
+              <a:t>2024-02-15</a:t>
             </a:fld>
             <a:endParaRPr lang="ko-KR" altLang="en-US"/>
           </a:p>
@@ -1241,7 +1241,7 @@
           <a:p>
             <a:fld id="{3C698B4D-7A14-4A28-B39D-D02AF49E47D1}" type="datetimeFigureOut">
               <a:rPr lang="ko-KR" altLang="en-US" smtClean="0"/>
-              <a:t>2022-08-29</a:t>
+              <a:t>2024-02-15</a:t>
             </a:fld>
             <a:endParaRPr lang="ko-KR" altLang="en-US"/>
           </a:p>
@@ -1608,7 +1608,7 @@
           <a:p>
             <a:fld id="{3C698B4D-7A14-4A28-B39D-D02AF49E47D1}" type="datetimeFigureOut">
               <a:rPr lang="ko-KR" altLang="en-US" smtClean="0"/>
-              <a:t>2022-08-29</a:t>
+              <a:t>2024-02-15</a:t>
             </a:fld>
             <a:endParaRPr lang="ko-KR" altLang="en-US"/>
           </a:p>
@@ -1726,7 +1726,7 @@
           <a:p>
             <a:fld id="{3C698B4D-7A14-4A28-B39D-D02AF49E47D1}" type="datetimeFigureOut">
               <a:rPr lang="ko-KR" altLang="en-US" smtClean="0"/>
-              <a:t>2022-08-29</a:t>
+              <a:t>2024-02-15</a:t>
             </a:fld>
             <a:endParaRPr lang="ko-KR" altLang="en-US"/>
           </a:p>
@@ -1821,7 +1821,7 @@
           <a:p>
             <a:fld id="{3C698B4D-7A14-4A28-B39D-D02AF49E47D1}" type="datetimeFigureOut">
               <a:rPr lang="ko-KR" altLang="en-US" smtClean="0"/>
-              <a:t>2022-08-29</a:t>
+              <a:t>2024-02-15</a:t>
             </a:fld>
             <a:endParaRPr lang="ko-KR" altLang="en-US"/>
           </a:p>
@@ -2098,7 +2098,7 @@
           <a:p>
             <a:fld id="{3C698B4D-7A14-4A28-B39D-D02AF49E47D1}" type="datetimeFigureOut">
               <a:rPr lang="ko-KR" altLang="en-US" smtClean="0"/>
-              <a:t>2022-08-29</a:t>
+              <a:t>2024-02-15</a:t>
             </a:fld>
             <a:endParaRPr lang="ko-KR" altLang="en-US"/>
           </a:p>
@@ -2355,7 +2355,7 @@
           <a:p>
             <a:fld id="{3C698B4D-7A14-4A28-B39D-D02AF49E47D1}" type="datetimeFigureOut">
               <a:rPr lang="ko-KR" altLang="en-US" smtClean="0"/>
-              <a:t>2022-08-29</a:t>
+              <a:t>2024-02-15</a:t>
             </a:fld>
             <a:endParaRPr lang="ko-KR" altLang="en-US"/>
           </a:p>
@@ -2568,7 +2568,7 @@
           <a:p>
             <a:fld id="{3C698B4D-7A14-4A28-B39D-D02AF49E47D1}" type="datetimeFigureOut">
               <a:rPr lang="ko-KR" altLang="en-US" smtClean="0"/>
-              <a:t>2022-08-29</a:t>
+              <a:t>2024-02-15</a:t>
             </a:fld>
             <a:endParaRPr lang="ko-KR" altLang="en-US"/>
           </a:p>
